--- a/Presentation - 2.2.pptx
+++ b/Presentation - 2.2.pptx
@@ -12,7 +12,12 @@
     <p:sldId id="263" r:id="rId6"/>
     <p:sldId id="264" r:id="rId7"/>
     <p:sldId id="260" r:id="rId8"/>
-    <p:sldId id="261" r:id="rId9"/>
+    <p:sldId id="265" r:id="rId9"/>
+    <p:sldId id="266" r:id="rId10"/>
+    <p:sldId id="267" r:id="rId11"/>
+    <p:sldId id="268" r:id="rId12"/>
+    <p:sldId id="269" r:id="rId13"/>
+    <p:sldId id="261" r:id="rId14"/>
   </p:sldIdLst>
   <p:sldSz cx="9144000" cy="6858000" type="screen4x3"/>
   <p:notesSz cx="6858000" cy="9144000"/>
@@ -111,6 +116,22 @@
       </a:defRPr>
     </a:lvl9pPr>
   </p:defaultTextStyle>
+  <p:extLst>
+    <p:ext uri="{EFAFB233-063F-42B5-8137-9DF3F51BA10A}">
+      <p15:sldGuideLst xmlns:p15="http://schemas.microsoft.com/office/powerpoint/2012/main">
+        <p15:guide id="1" orient="horz" pos="2160">
+          <p15:clr>
+            <a:srgbClr val="A4A3A4"/>
+          </p15:clr>
+        </p15:guide>
+        <p15:guide id="2" pos="2880">
+          <p15:clr>
+            <a:srgbClr val="A4A3A4"/>
+          </p15:clr>
+        </p15:guide>
+      </p15:sldGuideLst>
+    </p:ext>
+  </p:extLst>
 </p:presentation>
 </file>
 
@@ -295,7 +316,7 @@
           <a:p>
             <a:fld id="{1564F22A-2C15-CB4B-A439-377E2FE6E35F}" type="datetimeFigureOut">
               <a:rPr lang="en-US" smtClean="0"/>
-              <a:t>5/9/17</a:t>
+              <a:t>5/11/17</a:t>
             </a:fld>
             <a:endParaRPr lang="en-US"/>
           </a:p>
@@ -465,7 +486,7 @@
           <a:p>
             <a:fld id="{1564F22A-2C15-CB4B-A439-377E2FE6E35F}" type="datetimeFigureOut">
               <a:rPr lang="en-US" smtClean="0"/>
-              <a:t>5/9/17</a:t>
+              <a:t>5/11/17</a:t>
             </a:fld>
             <a:endParaRPr lang="en-US"/>
           </a:p>
@@ -645,7 +666,7 @@
           <a:p>
             <a:fld id="{1564F22A-2C15-CB4B-A439-377E2FE6E35F}" type="datetimeFigureOut">
               <a:rPr lang="en-US" smtClean="0"/>
-              <a:t>5/9/17</a:t>
+              <a:t>5/11/17</a:t>
             </a:fld>
             <a:endParaRPr lang="en-US"/>
           </a:p>
@@ -815,7 +836,7 @@
           <a:p>
             <a:fld id="{1564F22A-2C15-CB4B-A439-377E2FE6E35F}" type="datetimeFigureOut">
               <a:rPr lang="en-US" smtClean="0"/>
-              <a:t>5/9/17</a:t>
+              <a:t>5/11/17</a:t>
             </a:fld>
             <a:endParaRPr lang="en-US"/>
           </a:p>
@@ -1061,7 +1082,7 @@
           <a:p>
             <a:fld id="{1564F22A-2C15-CB4B-A439-377E2FE6E35F}" type="datetimeFigureOut">
               <a:rPr lang="en-US" smtClean="0"/>
-              <a:t>5/9/17</a:t>
+              <a:t>5/11/17</a:t>
             </a:fld>
             <a:endParaRPr lang="en-US"/>
           </a:p>
@@ -1349,7 +1370,7 @@
           <a:p>
             <a:fld id="{1564F22A-2C15-CB4B-A439-377E2FE6E35F}" type="datetimeFigureOut">
               <a:rPr lang="en-US" smtClean="0"/>
-              <a:t>5/9/17</a:t>
+              <a:t>5/11/17</a:t>
             </a:fld>
             <a:endParaRPr lang="en-US"/>
           </a:p>
@@ -1771,7 +1792,7 @@
           <a:p>
             <a:fld id="{1564F22A-2C15-CB4B-A439-377E2FE6E35F}" type="datetimeFigureOut">
               <a:rPr lang="en-US" smtClean="0"/>
-              <a:t>5/9/17</a:t>
+              <a:t>5/11/17</a:t>
             </a:fld>
             <a:endParaRPr lang="en-US"/>
           </a:p>
@@ -1889,7 +1910,7 @@
           <a:p>
             <a:fld id="{1564F22A-2C15-CB4B-A439-377E2FE6E35F}" type="datetimeFigureOut">
               <a:rPr lang="en-US" smtClean="0"/>
-              <a:t>5/9/17</a:t>
+              <a:t>5/11/17</a:t>
             </a:fld>
             <a:endParaRPr lang="en-US"/>
           </a:p>
@@ -1984,7 +2005,7 @@
           <a:p>
             <a:fld id="{1564F22A-2C15-CB4B-A439-377E2FE6E35F}" type="datetimeFigureOut">
               <a:rPr lang="en-US" smtClean="0"/>
-              <a:t>5/9/17</a:t>
+              <a:t>5/11/17</a:t>
             </a:fld>
             <a:endParaRPr lang="en-US"/>
           </a:p>
@@ -2261,7 +2282,7 @@
           <a:p>
             <a:fld id="{1564F22A-2C15-CB4B-A439-377E2FE6E35F}" type="datetimeFigureOut">
               <a:rPr lang="en-US" smtClean="0"/>
-              <a:t>5/9/17</a:t>
+              <a:t>5/11/17</a:t>
             </a:fld>
             <a:endParaRPr lang="en-US"/>
           </a:p>
@@ -2514,7 +2535,7 @@
           <a:p>
             <a:fld id="{1564F22A-2C15-CB4B-A439-377E2FE6E35F}" type="datetimeFigureOut">
               <a:rPr lang="en-US" smtClean="0"/>
-              <a:t>5/9/17</a:t>
+              <a:t>5/11/17</a:t>
             </a:fld>
             <a:endParaRPr lang="en-US"/>
           </a:p>
@@ -2727,7 +2748,7 @@
           <a:p>
             <a:fld id="{1564F22A-2C15-CB4B-A439-377E2FE6E35F}" type="datetimeFigureOut">
               <a:rPr lang="en-US" smtClean="0"/>
-              <a:t>5/9/17</a:t>
+              <a:t>5/11/17</a:t>
             </a:fld>
             <a:endParaRPr lang="en-US"/>
           </a:p>
@@ -3171,6 +3192,450 @@
 </p:sld>
 </file>
 
+<file path=ppt/slides/slide10.xml><?xml version="1.0" encoding="utf-8"?>
+<p:sld xmlns:a="http://schemas.openxmlformats.org/drawingml/2006/main" xmlns:r="http://schemas.openxmlformats.org/officeDocument/2006/relationships" xmlns:p="http://schemas.openxmlformats.org/presentationml/2006/main">
+  <p:cSld>
+    <p:spTree>
+      <p:nvGrpSpPr>
+        <p:cNvPr id="1" name=""/>
+        <p:cNvGrpSpPr/>
+        <p:nvPr/>
+      </p:nvGrpSpPr>
+      <p:grpSpPr>
+        <a:xfrm>
+          <a:off x="0" y="0"/>
+          <a:ext cx="0" cy="0"/>
+          <a:chOff x="0" y="0"/>
+          <a:chExt cx="0" cy="0"/>
+        </a:xfrm>
+      </p:grpSpPr>
+      <p:sp>
+        <p:nvSpPr>
+          <p:cNvPr id="2" name="Title 1"/>
+          <p:cNvSpPr>
+            <a:spLocks noGrp="1"/>
+          </p:cNvSpPr>
+          <p:nvPr>
+            <p:ph type="title"/>
+          </p:nvPr>
+        </p:nvSpPr>
+        <p:spPr/>
+        <p:txBody>
+          <a:bodyPr>
+            <a:normAutofit/>
+          </a:bodyPr>
+          <a:lstStyle/>
+          <a:p>
+            <a:r>
+              <a:rPr lang="en-US" dirty="0" smtClean="0"/>
+              <a:t>Coding: Implementation</a:t>
+            </a:r>
+            <a:endParaRPr lang="en-US" dirty="0"/>
+          </a:p>
+        </p:txBody>
+      </p:sp>
+      <p:sp>
+        <p:nvSpPr>
+          <p:cNvPr id="3" name="Content Placeholder 2"/>
+          <p:cNvSpPr>
+            <a:spLocks noGrp="1"/>
+          </p:cNvSpPr>
+          <p:nvPr>
+            <p:ph idx="1"/>
+          </p:nvPr>
+        </p:nvSpPr>
+        <p:spPr/>
+        <p:txBody>
+          <a:bodyPr>
+            <a:normAutofit lnSpcReduction="10000"/>
+          </a:bodyPr>
+          <a:lstStyle/>
+          <a:p>
+            <a:r>
+              <a:rPr lang="en-US" dirty="0" smtClean="0"/>
+              <a:t>Data I/O</a:t>
+            </a:r>
+          </a:p>
+          <a:p>
+            <a:pPr lvl="1"/>
+            <a:r>
+              <a:rPr lang="en-US" dirty="0" smtClean="0"/>
+              <a:t>R Bioconductor </a:t>
+            </a:r>
+            <a:r>
+              <a:rPr lang="en-US" dirty="0" err="1" smtClean="0"/>
+              <a:t>BioString</a:t>
+            </a:r>
+            <a:r>
+              <a:rPr lang="en-US" dirty="0" smtClean="0"/>
+              <a:t> package</a:t>
+            </a:r>
+          </a:p>
+          <a:p>
+            <a:r>
+              <a:rPr lang="en-US" dirty="0" smtClean="0"/>
+              <a:t>Find PAM Sites</a:t>
+            </a:r>
+          </a:p>
+          <a:p>
+            <a:pPr lvl="1"/>
+            <a:r>
+              <a:rPr lang="en-US" dirty="0" err="1" smtClean="0"/>
+              <a:t>BioString</a:t>
+            </a:r>
+            <a:r>
+              <a:rPr lang="en-US" dirty="0" smtClean="0"/>
+              <a:t> methods for memory-optimized pattern searching</a:t>
+            </a:r>
+          </a:p>
+          <a:p>
+            <a:r>
+              <a:rPr lang="en-US" dirty="0" smtClean="0"/>
+              <a:t>Compare Sets</a:t>
+            </a:r>
+          </a:p>
+          <a:p>
+            <a:pPr lvl="1"/>
+            <a:r>
+              <a:rPr lang="en-US" dirty="0" smtClean="0"/>
+              <a:t>Subsample first 1000 reference PAM sites and first 1000 Z PAM sites per chromosome to alleviate runtime and memory constraints</a:t>
+            </a:r>
+            <a:endParaRPr lang="en-US" dirty="0"/>
+          </a:p>
+          <a:p>
+            <a:endParaRPr lang="en-US" dirty="0" smtClean="0"/>
+          </a:p>
+        </p:txBody>
+      </p:sp>
+    </p:spTree>
+    <p:extLst>
+      <p:ext uri="{BB962C8B-B14F-4D97-AF65-F5344CB8AC3E}">
+        <p14:creationId xmlns:p14="http://schemas.microsoft.com/office/powerpoint/2010/main" val="1253511250"/>
+      </p:ext>
+    </p:extLst>
+  </p:cSld>
+  <p:clrMapOvr>
+    <a:masterClrMapping/>
+  </p:clrMapOvr>
+</p:sld>
+</file>
+
+<file path=ppt/slides/slide11.xml><?xml version="1.0" encoding="utf-8"?>
+<p:sld xmlns:a="http://schemas.openxmlformats.org/drawingml/2006/main" xmlns:r="http://schemas.openxmlformats.org/officeDocument/2006/relationships" xmlns:p="http://schemas.openxmlformats.org/presentationml/2006/main">
+  <p:cSld>
+    <p:spTree>
+      <p:nvGrpSpPr>
+        <p:cNvPr id="1" name=""/>
+        <p:cNvGrpSpPr/>
+        <p:nvPr/>
+      </p:nvGrpSpPr>
+      <p:grpSpPr>
+        <a:xfrm>
+          <a:off x="0" y="0"/>
+          <a:ext cx="0" cy="0"/>
+          <a:chOff x="0" y="0"/>
+          <a:chExt cx="0" cy="0"/>
+        </a:xfrm>
+      </p:grpSpPr>
+      <p:sp>
+        <p:nvSpPr>
+          <p:cNvPr id="2" name="Title 1"/>
+          <p:cNvSpPr>
+            <a:spLocks noGrp="1"/>
+          </p:cNvSpPr>
+          <p:nvPr>
+            <p:ph type="title"/>
+          </p:nvPr>
+        </p:nvSpPr>
+        <p:spPr/>
+        <p:txBody>
+          <a:bodyPr/>
+          <a:lstStyle/>
+          <a:p>
+            <a:r>
+              <a:rPr lang="en-US" dirty="0" smtClean="0"/>
+              <a:t>Coding Results</a:t>
+            </a:r>
+            <a:endParaRPr lang="en-US" dirty="0"/>
+          </a:p>
+        </p:txBody>
+      </p:sp>
+      <p:pic>
+        <p:nvPicPr>
+          <p:cNvPr id="4" name="Content Placeholder 3"/>
+          <p:cNvPicPr>
+            <a:picLocks noGrp="1" noChangeAspect="1"/>
+          </p:cNvPicPr>
+          <p:nvPr>
+            <p:ph idx="1"/>
+          </p:nvPr>
+        </p:nvPicPr>
+        <p:blipFill>
+          <a:blip r:embed="rId2">
+            <a:extLst>
+              <a:ext uri="{28A0092B-C50C-407E-A947-70E740481C1C}">
+                <a14:useLocalDpi xmlns:a14="http://schemas.microsoft.com/office/drawing/2010/main" val="0"/>
+              </a:ext>
+            </a:extLst>
+          </a:blip>
+          <a:stretch>
+            <a:fillRect/>
+          </a:stretch>
+        </p:blipFill>
+        <p:spPr>
+          <a:xfrm>
+            <a:off x="1325742" y="1600200"/>
+            <a:ext cx="6492515" cy="4525963"/>
+          </a:xfrm>
+        </p:spPr>
+      </p:pic>
+      <p:sp>
+        <p:nvSpPr>
+          <p:cNvPr id="5" name="Rectangle 4"/>
+          <p:cNvSpPr/>
+          <p:nvPr/>
+        </p:nvSpPr>
+        <p:spPr>
+          <a:xfrm>
+            <a:off x="7146758" y="3585411"/>
+            <a:ext cx="671499" cy="1540042"/>
+          </a:xfrm>
+          <a:prstGeom prst="rect">
+            <a:avLst/>
+          </a:prstGeom>
+          <a:ln>
+            <a:noFill/>
+          </a:ln>
+        </p:spPr>
+        <p:style>
+          <a:lnRef idx="2">
+            <a:schemeClr val="dk1"/>
+          </a:lnRef>
+          <a:fillRef idx="1">
+            <a:schemeClr val="lt1"/>
+          </a:fillRef>
+          <a:effectRef idx="0">
+            <a:schemeClr val="dk1"/>
+          </a:effectRef>
+          <a:fontRef idx="minor">
+            <a:schemeClr val="dk1"/>
+          </a:fontRef>
+        </p:style>
+        <p:txBody>
+          <a:bodyPr rtlCol="0" anchor="ctr"/>
+          <a:lstStyle/>
+          <a:p>
+            <a:pPr algn="ctr"/>
+            <a:endParaRPr lang="en-US"/>
+          </a:p>
+        </p:txBody>
+      </p:sp>
+    </p:spTree>
+    <p:extLst>
+      <p:ext uri="{BB962C8B-B14F-4D97-AF65-F5344CB8AC3E}">
+        <p14:creationId xmlns:p14="http://schemas.microsoft.com/office/powerpoint/2010/main" val="599954209"/>
+      </p:ext>
+    </p:extLst>
+  </p:cSld>
+  <p:clrMapOvr>
+    <a:masterClrMapping/>
+  </p:clrMapOvr>
+</p:sld>
+</file>
+
+<file path=ppt/slides/slide12.xml><?xml version="1.0" encoding="utf-8"?>
+<p:sld xmlns:a="http://schemas.openxmlformats.org/drawingml/2006/main" xmlns:r="http://schemas.openxmlformats.org/officeDocument/2006/relationships" xmlns:p="http://schemas.openxmlformats.org/presentationml/2006/main">
+  <p:cSld>
+    <p:spTree>
+      <p:nvGrpSpPr>
+        <p:cNvPr id="1" name=""/>
+        <p:cNvGrpSpPr/>
+        <p:nvPr/>
+      </p:nvGrpSpPr>
+      <p:grpSpPr>
+        <a:xfrm>
+          <a:off x="0" y="0"/>
+          <a:ext cx="0" cy="0"/>
+          <a:chOff x="0" y="0"/>
+          <a:chExt cx="0" cy="0"/>
+        </a:xfrm>
+      </p:grpSpPr>
+      <p:sp>
+        <p:nvSpPr>
+          <p:cNvPr id="2" name="Title 1"/>
+          <p:cNvSpPr>
+            <a:spLocks noGrp="1"/>
+          </p:cNvSpPr>
+          <p:nvPr>
+            <p:ph type="title"/>
+          </p:nvPr>
+        </p:nvSpPr>
+        <p:spPr/>
+        <p:txBody>
+          <a:bodyPr/>
+          <a:lstStyle/>
+          <a:p>
+            <a:r>
+              <a:rPr lang="en-US" dirty="0" smtClean="0"/>
+              <a:t>Conclusions</a:t>
+            </a:r>
+            <a:endParaRPr lang="en-US" dirty="0"/>
+          </a:p>
+        </p:txBody>
+      </p:sp>
+      <p:sp>
+        <p:nvSpPr>
+          <p:cNvPr id="3" name="Content Placeholder 2"/>
+          <p:cNvSpPr>
+            <a:spLocks noGrp="1"/>
+          </p:cNvSpPr>
+          <p:nvPr>
+            <p:ph idx="1"/>
+          </p:nvPr>
+        </p:nvSpPr>
+        <p:spPr/>
+        <p:txBody>
+          <a:bodyPr/>
+          <a:lstStyle/>
+          <a:p>
+            <a:r>
+              <a:rPr lang="en-US" dirty="0" smtClean="0"/>
+              <a:t>Subject Z’s genome seems to have most PAM sites preserved</a:t>
+            </a:r>
+          </a:p>
+          <a:p>
+            <a:pPr lvl="1"/>
+            <a:r>
+              <a:rPr lang="en-US" dirty="0" smtClean="0"/>
+              <a:t>The method presented here underestimates preservation because CRISPR does not require perfectly matched guides</a:t>
+            </a:r>
+          </a:p>
+          <a:p>
+            <a:pPr lvl="1"/>
+            <a:r>
+              <a:rPr lang="en-US" dirty="0" err="1" smtClean="0"/>
+              <a:t>Downsampling</a:t>
+            </a:r>
+            <a:r>
+              <a:rPr lang="en-US" dirty="0" smtClean="0"/>
+              <a:t> to 23,000 PAM sites (from several million) </a:t>
+            </a:r>
+            <a:r>
+              <a:rPr lang="en-US" smtClean="0"/>
+              <a:t>is likely to bias results</a:t>
+            </a:r>
+            <a:endParaRPr lang="en-US"/>
+          </a:p>
+        </p:txBody>
+      </p:sp>
+    </p:spTree>
+    <p:extLst>
+      <p:ext uri="{BB962C8B-B14F-4D97-AF65-F5344CB8AC3E}">
+        <p14:creationId xmlns:p14="http://schemas.microsoft.com/office/powerpoint/2010/main" val="2072289079"/>
+      </p:ext>
+    </p:extLst>
+  </p:cSld>
+  <p:clrMapOvr>
+    <a:masterClrMapping/>
+  </p:clrMapOvr>
+</p:sld>
+</file>
+
+<file path=ppt/slides/slide13.xml><?xml version="1.0" encoding="utf-8"?>
+<p:sld xmlns:a="http://schemas.openxmlformats.org/drawingml/2006/main" xmlns:r="http://schemas.openxmlformats.org/officeDocument/2006/relationships" xmlns:p="http://schemas.openxmlformats.org/presentationml/2006/main">
+  <p:cSld>
+    <p:spTree>
+      <p:nvGrpSpPr>
+        <p:cNvPr id="1" name=""/>
+        <p:cNvGrpSpPr/>
+        <p:nvPr/>
+      </p:nvGrpSpPr>
+      <p:grpSpPr>
+        <a:xfrm>
+          <a:off x="0" y="0"/>
+          <a:ext cx="0" cy="0"/>
+          <a:chOff x="0" y="0"/>
+          <a:chExt cx="0" cy="0"/>
+        </a:xfrm>
+      </p:grpSpPr>
+      <p:sp>
+        <p:nvSpPr>
+          <p:cNvPr id="2" name="Title 1"/>
+          <p:cNvSpPr>
+            <a:spLocks noGrp="1"/>
+          </p:cNvSpPr>
+          <p:nvPr>
+            <p:ph type="title"/>
+          </p:nvPr>
+        </p:nvSpPr>
+        <p:spPr/>
+        <p:txBody>
+          <a:bodyPr/>
+          <a:lstStyle/>
+          <a:p>
+            <a:r>
+              <a:rPr lang="en-US" dirty="0" smtClean="0"/>
+              <a:t>Pipeline</a:t>
+            </a:r>
+            <a:endParaRPr lang="en-US" dirty="0"/>
+          </a:p>
+        </p:txBody>
+      </p:sp>
+      <p:sp>
+        <p:nvSpPr>
+          <p:cNvPr id="3" name="Content Placeholder 2"/>
+          <p:cNvSpPr>
+            <a:spLocks noGrp="1"/>
+          </p:cNvSpPr>
+          <p:nvPr>
+            <p:ph idx="1"/>
+          </p:nvPr>
+        </p:nvSpPr>
+        <p:spPr>
+          <a:xfrm>
+            <a:off x="909680" y="0"/>
+            <a:ext cx="7311767" cy="6858000"/>
+          </a:xfrm>
+        </p:spPr>
+        <p:txBody>
+          <a:bodyPr anchor="ctr"/>
+          <a:lstStyle/>
+          <a:p>
+            <a:pPr marL="0" indent="0" algn="ctr">
+              <a:buNone/>
+            </a:pPr>
+            <a:r>
+              <a:rPr lang="en-US" dirty="0" smtClean="0"/>
+              <a:t>Calculate the </a:t>
+            </a:r>
+            <a:r>
+              <a:rPr lang="en-US" dirty="0" err="1" smtClean="0"/>
+              <a:t>sgRNA</a:t>
+            </a:r>
+            <a:r>
+              <a:rPr lang="en-US" dirty="0" smtClean="0"/>
+              <a:t> libraries for the reference genome and Carl’s genome. How different are these two sets?</a:t>
+            </a:r>
+          </a:p>
+          <a:p>
+            <a:pPr algn="ctr"/>
+            <a:endParaRPr lang="en-US" dirty="0"/>
+          </a:p>
+        </p:txBody>
+      </p:sp>
+    </p:spTree>
+    <p:extLst>
+      <p:ext uri="{BB962C8B-B14F-4D97-AF65-F5344CB8AC3E}">
+        <p14:creationId xmlns:p14="http://schemas.microsoft.com/office/powerpoint/2010/main" val="1896092675"/>
+      </p:ext>
+    </p:extLst>
+  </p:cSld>
+  <p:clrMapOvr>
+    <a:masterClrMapping/>
+  </p:clrMapOvr>
+</p:sld>
+</file>
+
 <file path=ppt/slides/slide2.xml><?xml version="1.0" encoding="utf-8"?>
 <p:sld xmlns:a="http://schemas.openxmlformats.org/drawingml/2006/main" xmlns:r="http://schemas.openxmlformats.org/officeDocument/2006/relationships" xmlns:p="http://schemas.openxmlformats.org/presentationml/2006/main">
   <p:cSld>
@@ -3659,12 +4124,14 @@
         </p:nvSpPr>
         <p:spPr/>
         <p:txBody>
-          <a:bodyPr/>
+          <a:bodyPr>
+            <a:normAutofit/>
+          </a:bodyPr>
           <a:lstStyle/>
           <a:p>
             <a:r>
               <a:rPr lang="en-US" dirty="0" smtClean="0"/>
-              <a:t>Pipeline</a:t>
+              <a:t>Coding: Approach</a:t>
             </a:r>
             <a:endParaRPr lang="en-US" dirty="0"/>
           </a:p>
@@ -3680,42 +4147,201 @@
             <p:ph idx="1"/>
           </p:nvPr>
         </p:nvSpPr>
-        <p:spPr>
-          <a:xfrm>
-            <a:off x="909680" y="0"/>
-            <a:ext cx="7311767" cy="6858000"/>
-          </a:xfrm>
-        </p:spPr>
-        <p:txBody>
-          <a:bodyPr anchor="ctr"/>
-          <a:lstStyle/>
-          <a:p>
-            <a:pPr marL="0" indent="0" algn="ctr">
-              <a:buNone/>
-            </a:pPr>
+        <p:spPr/>
+        <p:txBody>
+          <a:bodyPr>
+            <a:normAutofit/>
+          </a:bodyPr>
+          <a:lstStyle/>
+          <a:p>
             <a:r>
               <a:rPr lang="en-US" dirty="0" smtClean="0"/>
-              <a:t>Calculate the </a:t>
-            </a:r>
-            <a:r>
-              <a:rPr lang="en-US" dirty="0" err="1" smtClean="0"/>
-              <a:t>sgRNA</a:t>
-            </a:r>
+              <a:t>Data I/O</a:t>
+            </a:r>
+          </a:p>
+          <a:p>
             <a:r>
               <a:rPr lang="en-US" dirty="0" smtClean="0"/>
-              <a:t> libraries for the reference genome and Carl’s genome. How different are these two sets?</a:t>
-            </a:r>
-          </a:p>
-          <a:p>
-            <a:pPr algn="ctr"/>
-            <a:endParaRPr lang="en-US" dirty="0"/>
+              <a:t>Find PAM Sites</a:t>
+            </a:r>
+          </a:p>
+          <a:p>
+            <a:r>
+              <a:rPr lang="en-US" dirty="0" smtClean="0"/>
+              <a:t>Compare Sets</a:t>
+            </a:r>
           </a:p>
         </p:txBody>
       </p:sp>
     </p:spTree>
     <p:extLst>
       <p:ext uri="{BB962C8B-B14F-4D97-AF65-F5344CB8AC3E}">
-        <p14:creationId xmlns:p14="http://schemas.microsoft.com/office/powerpoint/2010/main" val="1896092675"/>
+        <p14:creationId xmlns:p14="http://schemas.microsoft.com/office/powerpoint/2010/main" val="608481961"/>
+      </p:ext>
+    </p:extLst>
+  </p:cSld>
+  <p:clrMapOvr>
+    <a:masterClrMapping/>
+  </p:clrMapOvr>
+</p:sld>
+</file>
+
+<file path=ppt/slides/slide9.xml><?xml version="1.0" encoding="utf-8"?>
+<p:sld xmlns:a="http://schemas.openxmlformats.org/drawingml/2006/main" xmlns:r="http://schemas.openxmlformats.org/officeDocument/2006/relationships" xmlns:p="http://schemas.openxmlformats.org/presentationml/2006/main">
+  <p:cSld>
+    <p:spTree>
+      <p:nvGrpSpPr>
+        <p:cNvPr id="1" name=""/>
+        <p:cNvGrpSpPr/>
+        <p:nvPr/>
+      </p:nvGrpSpPr>
+      <p:grpSpPr>
+        <a:xfrm>
+          <a:off x="0" y="0"/>
+          <a:ext cx="0" cy="0"/>
+          <a:chOff x="0" y="0"/>
+          <a:chExt cx="0" cy="0"/>
+        </a:xfrm>
+      </p:grpSpPr>
+      <p:sp>
+        <p:nvSpPr>
+          <p:cNvPr id="2" name="Title 1"/>
+          <p:cNvSpPr>
+            <a:spLocks noGrp="1"/>
+          </p:cNvSpPr>
+          <p:nvPr>
+            <p:ph type="title"/>
+          </p:nvPr>
+        </p:nvSpPr>
+        <p:spPr/>
+        <p:txBody>
+          <a:bodyPr>
+            <a:normAutofit/>
+          </a:bodyPr>
+          <a:lstStyle/>
+          <a:p>
+            <a:r>
+              <a:rPr lang="en-US" dirty="0" smtClean="0"/>
+              <a:t>Coding: Approach</a:t>
+            </a:r>
+            <a:endParaRPr lang="en-US" dirty="0"/>
+          </a:p>
+        </p:txBody>
+      </p:sp>
+      <p:sp>
+        <p:nvSpPr>
+          <p:cNvPr id="3" name="Content Placeholder 2"/>
+          <p:cNvSpPr>
+            <a:spLocks noGrp="1"/>
+          </p:cNvSpPr>
+          <p:nvPr>
+            <p:ph idx="1"/>
+          </p:nvPr>
+        </p:nvSpPr>
+        <p:spPr/>
+        <p:txBody>
+          <a:bodyPr>
+            <a:normAutofit fontScale="92500" lnSpcReduction="20000"/>
+          </a:bodyPr>
+          <a:lstStyle/>
+          <a:p>
+            <a:r>
+              <a:rPr lang="en-US" dirty="0" smtClean="0"/>
+              <a:t>Data I/O</a:t>
+            </a:r>
+          </a:p>
+          <a:p>
+            <a:pPr lvl="1"/>
+            <a:r>
+              <a:rPr lang="en-US" dirty="0" err="1"/>
+              <a:t>SubjectZ’s</a:t>
+            </a:r>
+            <a:r>
+              <a:rPr lang="en-US" dirty="0"/>
+              <a:t> genome is aligned against hg37</a:t>
+            </a:r>
+          </a:p>
+          <a:p>
+            <a:pPr lvl="1"/>
+            <a:r>
+              <a:rPr lang="en-US" dirty="0"/>
+              <a:t>Read in .fa files for Z and reference </a:t>
+            </a:r>
+            <a:r>
+              <a:rPr lang="en-US" dirty="0" smtClean="0"/>
+              <a:t>genome</a:t>
+            </a:r>
+          </a:p>
+          <a:p>
+            <a:r>
+              <a:rPr lang="en-US" dirty="0" smtClean="0"/>
+              <a:t>Find PAM Sites</a:t>
+            </a:r>
+          </a:p>
+          <a:p>
+            <a:pPr lvl="1"/>
+            <a:r>
+              <a:rPr lang="en-US" dirty="0"/>
+              <a:t>Look for 5’-NGG-3’ and 3’-CCN-5’ motifs on each chromosome (store in list</a:t>
+            </a:r>
+            <a:r>
+              <a:rPr lang="en-US" dirty="0" smtClean="0"/>
+              <a:t>)</a:t>
+            </a:r>
+          </a:p>
+          <a:p>
+            <a:r>
+              <a:rPr lang="en-US" dirty="0" smtClean="0"/>
+              <a:t>Compare Sets</a:t>
+            </a:r>
+          </a:p>
+          <a:p>
+            <a:pPr lvl="1"/>
+            <a:r>
+              <a:rPr lang="en-US" dirty="0" smtClean="0"/>
+              <a:t>Append </a:t>
+            </a:r>
+            <a:r>
+              <a:rPr lang="en-US" dirty="0"/>
+              <a:t>20 NTs upstream for specificity</a:t>
+            </a:r>
+          </a:p>
+          <a:p>
+            <a:pPr lvl="1"/>
+            <a:r>
+              <a:rPr lang="en-US" dirty="0"/>
+              <a:t>Find intersection of Z and reference </a:t>
+            </a:r>
+            <a:r>
+              <a:rPr lang="en-US" dirty="0" err="1"/>
+              <a:t>PAM+gRNA</a:t>
+            </a:r>
+            <a:r>
+              <a:rPr lang="en-US" dirty="0"/>
+              <a:t> </a:t>
+            </a:r>
+            <a:r>
+              <a:rPr lang="en-US" dirty="0" smtClean="0"/>
+              <a:t>sequences</a:t>
+            </a:r>
+          </a:p>
+          <a:p>
+            <a:pPr lvl="1"/>
+            <a:r>
+              <a:rPr lang="en-US" dirty="0" smtClean="0"/>
+              <a:t>Divide by length of reference set</a:t>
+            </a:r>
+            <a:endParaRPr lang="en-US" dirty="0"/>
+          </a:p>
+          <a:p>
+            <a:endParaRPr lang="en-US" dirty="0" smtClean="0"/>
+          </a:p>
+        </p:txBody>
+      </p:sp>
+    </p:spTree>
+    <p:extLst>
+      <p:ext uri="{BB962C8B-B14F-4D97-AF65-F5344CB8AC3E}">
+        <p14:creationId xmlns:p14="http://schemas.microsoft.com/office/powerpoint/2010/main" val="1602229357"/>
       </p:ext>
     </p:extLst>
   </p:cSld>

--- a/Presentation - 2.2.pptx
+++ b/Presentation - 2.2.pptx
@@ -3518,13 +3518,9 @@
             </a:r>
             <a:r>
               <a:rPr lang="en-US" dirty="0" smtClean="0"/>
-              <a:t> to 23,000 PAM sites (from several million) </a:t>
-            </a:r>
-            <a:r>
-              <a:rPr lang="en-US" smtClean="0"/>
-              <a:t>is likely to bias results</a:t>
-            </a:r>
-            <a:endParaRPr lang="en-US"/>
+              <a:t> to 23,000 PAM sites (from several million) is likely to bias results</a:t>
+            </a:r>
+            <a:endParaRPr lang="en-US" dirty="0"/>
           </a:p>
         </p:txBody>
       </p:sp>

--- a/Presentation - 2.2.pptx
+++ b/Presentation - 2.2.pptx
@@ -18,6 +18,14 @@
     <p:sldId id="268" r:id="rId12"/>
     <p:sldId id="269" r:id="rId13"/>
     <p:sldId id="261" r:id="rId14"/>
+    <p:sldId id="270" r:id="rId15"/>
+    <p:sldId id="271" r:id="rId16"/>
+    <p:sldId id="272" r:id="rId17"/>
+    <p:sldId id="273" r:id="rId18"/>
+    <p:sldId id="274" r:id="rId19"/>
+    <p:sldId id="275" r:id="rId20"/>
+    <p:sldId id="276" r:id="rId21"/>
+    <p:sldId id="277" r:id="rId22"/>
   </p:sldIdLst>
   <p:sldSz cx="9144000" cy="6858000" type="screen4x3"/>
   <p:notesSz cx="6858000" cy="9144000"/>
@@ -118,7 +126,7 @@
   </p:defaultTextStyle>
   <p:extLst>
     <p:ext uri="{EFAFB233-063F-42B5-8137-9DF3F51BA10A}">
-      <p15:sldGuideLst xmlns:p15="http://schemas.microsoft.com/office/powerpoint/2012/main">
+      <p15:sldGuideLst xmlns:p15="http://schemas.microsoft.com/office/powerpoint/2012/main" xmlns="">
         <p15:guide id="1" orient="horz" pos="2160">
           <p15:clr>
             <a:srgbClr val="A4A3A4"/>
@@ -3632,6 +3640,920 @@
 </p:sld>
 </file>
 
+<file path=ppt/slides/slide14.xml><?xml version="1.0" encoding="utf-8"?>
+<p:sld xmlns:a="http://schemas.openxmlformats.org/drawingml/2006/main" xmlns:r="http://schemas.openxmlformats.org/officeDocument/2006/relationships" xmlns:p="http://schemas.openxmlformats.org/presentationml/2006/main">
+  <p:cSld>
+    <p:spTree>
+      <p:nvGrpSpPr>
+        <p:cNvPr id="1" name=""/>
+        <p:cNvGrpSpPr/>
+        <p:nvPr/>
+      </p:nvGrpSpPr>
+      <p:grpSpPr>
+        <a:xfrm>
+          <a:off x="0" y="0"/>
+          <a:ext cx="0" cy="0"/>
+          <a:chOff x="0" y="0"/>
+          <a:chExt cx="0" cy="0"/>
+        </a:xfrm>
+      </p:grpSpPr>
+      <p:sp>
+        <p:nvSpPr>
+          <p:cNvPr id="2" name="Title 1"/>
+          <p:cNvSpPr>
+            <a:spLocks noGrp="1"/>
+          </p:cNvSpPr>
+          <p:nvPr>
+            <p:ph type="title"/>
+          </p:nvPr>
+        </p:nvSpPr>
+        <p:spPr>
+          <a:xfrm>
+            <a:off x="457200" y="138576"/>
+            <a:ext cx="8229600" cy="1143000"/>
+          </a:xfrm>
+        </p:spPr>
+        <p:txBody>
+          <a:bodyPr/>
+          <a:lstStyle/>
+          <a:p>
+            <a:r>
+              <a:rPr lang="en-US" dirty="0" smtClean="0"/>
+              <a:t>Goal of pipeline:</a:t>
+            </a:r>
+            <a:endParaRPr lang="en-US" dirty="0"/>
+          </a:p>
+        </p:txBody>
+      </p:sp>
+      <p:sp>
+        <p:nvSpPr>
+          <p:cNvPr id="3" name="Content Placeholder 2"/>
+          <p:cNvSpPr>
+            <a:spLocks noGrp="1"/>
+          </p:cNvSpPr>
+          <p:nvPr>
+            <p:ph idx="1"/>
+          </p:nvPr>
+        </p:nvSpPr>
+        <p:spPr>
+          <a:xfrm>
+            <a:off x="457200" y="1146660"/>
+            <a:ext cx="8229600" cy="4525963"/>
+          </a:xfrm>
+        </p:spPr>
+        <p:txBody>
+          <a:bodyPr/>
+          <a:lstStyle/>
+          <a:p>
+            <a:r>
+              <a:rPr lang="en-US" dirty="0" smtClean="0"/>
+              <a:t>Generate single guide RNA (</a:t>
+            </a:r>
+            <a:r>
+              <a:rPr lang="en-US" dirty="0" err="1" smtClean="0"/>
+              <a:t>sgRNA</a:t>
+            </a:r>
+            <a:r>
+              <a:rPr lang="en-US" dirty="0" smtClean="0"/>
+              <a:t>) libraries from Carl’s genome and compare it to the reference genome</a:t>
+            </a:r>
+          </a:p>
+          <a:p>
+            <a:pPr lvl="1"/>
+            <a:r>
+              <a:rPr lang="en-US" dirty="0" smtClean="0"/>
+              <a:t>Two genome files for Carl: maternal and paternal</a:t>
+            </a:r>
+          </a:p>
+          <a:p>
+            <a:pPr lvl="1"/>
+            <a:r>
+              <a:rPr lang="en-US" dirty="0" smtClean="0"/>
+              <a:t>One reference genome: 37</a:t>
+            </a:r>
+            <a:endParaRPr lang="en-US" dirty="0"/>
+          </a:p>
+        </p:txBody>
+      </p:sp>
+      <p:pic>
+        <p:nvPicPr>
+          <p:cNvPr id="4" name="Picture 3" descr="Screen Shot 2017-05-11 at 8.39.26 PM.png"/>
+          <p:cNvPicPr>
+            <a:picLocks noChangeAspect="1"/>
+          </p:cNvPicPr>
+          <p:nvPr/>
+        </p:nvPicPr>
+        <p:blipFill rotWithShape="1">
+          <a:blip r:embed="rId2">
+            <a:extLst>
+              <a:ext uri="{28A0092B-C50C-407E-A947-70E740481C1C}">
+                <a14:useLocalDpi xmlns:a14="http://schemas.microsoft.com/office/drawing/2010/main" val="0"/>
+              </a:ext>
+            </a:extLst>
+          </a:blip>
+          <a:srcRect t="25931" r="2694"/>
+          <a:stretch/>
+        </p:blipFill>
+        <p:spPr>
+          <a:xfrm>
+            <a:off x="1658162" y="3960982"/>
+            <a:ext cx="6007828" cy="2881920"/>
+          </a:xfrm>
+          <a:prstGeom prst="rect">
+            <a:avLst/>
+          </a:prstGeom>
+        </p:spPr>
+      </p:pic>
+    </p:spTree>
+    <p:extLst>
+      <p:ext uri="{BB962C8B-B14F-4D97-AF65-F5344CB8AC3E}">
+        <p14:creationId xmlns:p14="http://schemas.microsoft.com/office/powerpoint/2010/main" val="2004522616"/>
+      </p:ext>
+    </p:extLst>
+  </p:cSld>
+  <p:clrMapOvr>
+    <a:masterClrMapping/>
+  </p:clrMapOvr>
+</p:sld>
+</file>
+
+<file path=ppt/slides/slide15.xml><?xml version="1.0" encoding="utf-8"?>
+<p:sld xmlns:a="http://schemas.openxmlformats.org/drawingml/2006/main" xmlns:r="http://schemas.openxmlformats.org/officeDocument/2006/relationships" xmlns:p="http://schemas.openxmlformats.org/presentationml/2006/main">
+  <p:cSld>
+    <p:spTree>
+      <p:nvGrpSpPr>
+        <p:cNvPr id="1" name=""/>
+        <p:cNvGrpSpPr/>
+        <p:nvPr/>
+      </p:nvGrpSpPr>
+      <p:grpSpPr>
+        <a:xfrm>
+          <a:off x="0" y="0"/>
+          <a:ext cx="0" cy="0"/>
+          <a:chOff x="0" y="0"/>
+          <a:chExt cx="0" cy="0"/>
+        </a:xfrm>
+      </p:grpSpPr>
+      <p:sp>
+        <p:nvSpPr>
+          <p:cNvPr id="2" name="Title 1"/>
+          <p:cNvSpPr>
+            <a:spLocks noGrp="1"/>
+          </p:cNvSpPr>
+          <p:nvPr>
+            <p:ph type="title"/>
+          </p:nvPr>
+        </p:nvSpPr>
+        <p:spPr/>
+        <p:txBody>
+          <a:bodyPr>
+            <a:normAutofit fontScale="90000"/>
+          </a:bodyPr>
+          <a:lstStyle/>
+          <a:p>
+            <a:r>
+              <a:rPr lang="en-US" dirty="0" err="1" smtClean="0"/>
+              <a:t>GuideScan</a:t>
+            </a:r>
+            <a:r>
+              <a:rPr lang="en-US" dirty="0" smtClean="0"/>
+              <a:t> Software Implementation</a:t>
+            </a:r>
+            <a:endParaRPr lang="en-US" dirty="0"/>
+          </a:p>
+        </p:txBody>
+      </p:sp>
+      <p:sp>
+        <p:nvSpPr>
+          <p:cNvPr id="3" name="Content Placeholder 2"/>
+          <p:cNvSpPr>
+            <a:spLocks noGrp="1"/>
+          </p:cNvSpPr>
+          <p:nvPr>
+            <p:ph idx="1"/>
+          </p:nvPr>
+        </p:nvSpPr>
+        <p:spPr/>
+        <p:txBody>
+          <a:bodyPr/>
+          <a:lstStyle/>
+          <a:p>
+            <a:r>
+              <a:rPr lang="en-US" dirty="0" smtClean="0"/>
+              <a:t>Dependencies:</a:t>
+            </a:r>
+          </a:p>
+          <a:p>
+            <a:pPr lvl="1"/>
+            <a:r>
+              <a:rPr lang="en-US" dirty="0" err="1" smtClean="0"/>
+              <a:t>samtools</a:t>
+            </a:r>
+            <a:r>
+              <a:rPr lang="en-US" dirty="0" smtClean="0"/>
+              <a:t>==1.3.1</a:t>
+            </a:r>
+          </a:p>
+          <a:p>
+            <a:pPr lvl="1"/>
+            <a:r>
+              <a:rPr lang="en-US" dirty="0" err="1"/>
+              <a:t>p</a:t>
+            </a:r>
+            <a:r>
+              <a:rPr lang="en-US" dirty="0" err="1" smtClean="0"/>
+              <a:t>ysam</a:t>
+            </a:r>
+            <a:r>
+              <a:rPr lang="en-US" dirty="0" smtClean="0"/>
+              <a:t>==0.8.3, </a:t>
+            </a:r>
+            <a:r>
+              <a:rPr lang="en-US" dirty="0" err="1" smtClean="0"/>
+              <a:t>pyfaidx</a:t>
+            </a:r>
+            <a:r>
+              <a:rPr lang="en-US" dirty="0" smtClean="0"/>
+              <a:t>==0.4.7.1, </a:t>
+            </a:r>
+            <a:r>
+              <a:rPr lang="en-US" dirty="0" err="1" smtClean="0"/>
+              <a:t>bx</a:t>
+            </a:r>
+            <a:r>
+              <a:rPr lang="en-US" dirty="0" smtClean="0"/>
+              <a:t>-python==0.7.3</a:t>
+            </a:r>
+          </a:p>
+          <a:p>
+            <a:pPr lvl="1"/>
+            <a:r>
+              <a:rPr lang="en-US" dirty="0" err="1"/>
+              <a:t>b</a:t>
+            </a:r>
+            <a:r>
+              <a:rPr lang="en-US" dirty="0" err="1" smtClean="0"/>
+              <a:t>iopython</a:t>
+            </a:r>
+            <a:r>
+              <a:rPr lang="en-US" dirty="0" smtClean="0"/>
+              <a:t>&gt;=1.66</a:t>
+            </a:r>
+          </a:p>
+          <a:p>
+            <a:pPr lvl="1"/>
+            <a:r>
+              <a:rPr lang="en-US" dirty="0" err="1" smtClean="0"/>
+              <a:t>Sklearn</a:t>
+            </a:r>
+            <a:r>
+              <a:rPr lang="en-US" dirty="0" smtClean="0"/>
+              <a:t>==0.16.1</a:t>
+            </a:r>
+          </a:p>
+          <a:p>
+            <a:pPr marL="457200" lvl="1" indent="0">
+              <a:buNone/>
+            </a:pPr>
+            <a:endParaRPr lang="en-US" dirty="0"/>
+          </a:p>
+        </p:txBody>
+      </p:sp>
+    </p:spTree>
+    <p:extLst>
+      <p:ext uri="{BB962C8B-B14F-4D97-AF65-F5344CB8AC3E}">
+        <p14:creationId xmlns:p14="http://schemas.microsoft.com/office/powerpoint/2010/main" val="3354253308"/>
+      </p:ext>
+    </p:extLst>
+  </p:cSld>
+  <p:clrMapOvr>
+    <a:masterClrMapping/>
+  </p:clrMapOvr>
+</p:sld>
+</file>
+
+<file path=ppt/slides/slide16.xml><?xml version="1.0" encoding="utf-8"?>
+<p:sld xmlns:a="http://schemas.openxmlformats.org/drawingml/2006/main" xmlns:r="http://schemas.openxmlformats.org/officeDocument/2006/relationships" xmlns:p="http://schemas.openxmlformats.org/presentationml/2006/main">
+  <p:cSld>
+    <p:spTree>
+      <p:nvGrpSpPr>
+        <p:cNvPr id="1" name=""/>
+        <p:cNvGrpSpPr/>
+        <p:nvPr/>
+      </p:nvGrpSpPr>
+      <p:grpSpPr>
+        <a:xfrm>
+          <a:off x="0" y="0"/>
+          <a:ext cx="0" cy="0"/>
+          <a:chOff x="0" y="0"/>
+          <a:chExt cx="0" cy="0"/>
+        </a:xfrm>
+      </p:grpSpPr>
+      <p:sp>
+        <p:nvSpPr>
+          <p:cNvPr id="2" name="Title 1"/>
+          <p:cNvSpPr>
+            <a:spLocks noGrp="1"/>
+          </p:cNvSpPr>
+          <p:nvPr>
+            <p:ph type="title"/>
+          </p:nvPr>
+        </p:nvSpPr>
+        <p:spPr>
+          <a:xfrm>
+            <a:off x="457200" y="93222"/>
+            <a:ext cx="8229600" cy="1143000"/>
+          </a:xfrm>
+        </p:spPr>
+        <p:txBody>
+          <a:bodyPr/>
+          <a:lstStyle/>
+          <a:p>
+            <a:r>
+              <a:rPr lang="en-US" dirty="0" err="1" smtClean="0"/>
+              <a:t>GuideScan</a:t>
+            </a:r>
+            <a:r>
+              <a:rPr lang="en-US" dirty="0" smtClean="0"/>
+              <a:t>: Inputs</a:t>
+            </a:r>
+            <a:endParaRPr lang="en-US" dirty="0"/>
+          </a:p>
+        </p:txBody>
+      </p:sp>
+      <p:sp>
+        <p:nvSpPr>
+          <p:cNvPr id="3" name="Content Placeholder 2"/>
+          <p:cNvSpPr>
+            <a:spLocks noGrp="1"/>
+          </p:cNvSpPr>
+          <p:nvPr>
+            <p:ph idx="1"/>
+          </p:nvPr>
+        </p:nvSpPr>
+        <p:spPr>
+          <a:xfrm>
+            <a:off x="457200" y="1131542"/>
+            <a:ext cx="8229600" cy="4525963"/>
+          </a:xfrm>
+        </p:spPr>
+        <p:txBody>
+          <a:bodyPr/>
+          <a:lstStyle/>
+          <a:p>
+            <a:pPr lvl="1"/>
+            <a:r>
+              <a:rPr lang="en-US" dirty="0" smtClean="0"/>
+              <a:t>.</a:t>
+            </a:r>
+            <a:r>
+              <a:rPr lang="en-US" dirty="0" err="1" smtClean="0"/>
+              <a:t>fasta</a:t>
+            </a:r>
+            <a:r>
+              <a:rPr lang="en-US" dirty="0" smtClean="0"/>
+              <a:t> (or .</a:t>
+            </a:r>
+            <a:r>
+              <a:rPr lang="en-US" dirty="0" err="1" smtClean="0"/>
+              <a:t>fa</a:t>
+            </a:r>
+            <a:r>
+              <a:rPr lang="en-US" dirty="0" smtClean="0"/>
+              <a:t>) file of genome</a:t>
+            </a:r>
+          </a:p>
+          <a:p>
+            <a:pPr lvl="1"/>
+            <a:r>
+              <a:rPr lang="en-US" dirty="0" err="1" smtClean="0"/>
+              <a:t>gRNA</a:t>
+            </a:r>
+            <a:r>
+              <a:rPr lang="en-US" dirty="0" smtClean="0"/>
+              <a:t> sequence length (20 – 100 bases, excluding PAM site)</a:t>
+            </a:r>
+          </a:p>
+          <a:p>
+            <a:pPr lvl="1"/>
+            <a:r>
+              <a:rPr lang="en-US" dirty="0" smtClean="0"/>
+              <a:t>Alternative PAM sequence</a:t>
+            </a:r>
+          </a:p>
+          <a:p>
+            <a:pPr lvl="1"/>
+            <a:r>
+              <a:rPr lang="en-US" dirty="0" smtClean="0"/>
+              <a:t>Chromosomes (list, comma separated)</a:t>
+            </a:r>
+          </a:p>
+          <a:p>
+            <a:pPr lvl="1"/>
+            <a:r>
+              <a:rPr lang="en-US" dirty="0" smtClean="0"/>
+              <a:t>Min and Max allowed mismatches for off-target statistics</a:t>
+            </a:r>
+          </a:p>
+          <a:p>
+            <a:pPr lvl="1"/>
+            <a:endParaRPr lang="en-US" dirty="0"/>
+          </a:p>
+        </p:txBody>
+      </p:sp>
+      <p:pic>
+        <p:nvPicPr>
+          <p:cNvPr id="4" name="Picture 3" descr="Screen Shot 2017-05-11 at 8.33.40 PM.png"/>
+          <p:cNvPicPr>
+            <a:picLocks noChangeAspect="1"/>
+          </p:cNvPicPr>
+          <p:nvPr/>
+        </p:nvPicPr>
+        <p:blipFill>
+          <a:blip r:embed="rId2">
+            <a:extLst>
+              <a:ext uri="{28A0092B-C50C-407E-A947-70E740481C1C}">
+                <a14:useLocalDpi xmlns:a14="http://schemas.microsoft.com/office/drawing/2010/main" val="0"/>
+              </a:ext>
+            </a:extLst>
+          </a:blip>
+          <a:stretch>
+            <a:fillRect/>
+          </a:stretch>
+        </p:blipFill>
+        <p:spPr>
+          <a:xfrm>
+            <a:off x="457199" y="4491025"/>
+            <a:ext cx="8509137" cy="2247697"/>
+          </a:xfrm>
+          <a:prstGeom prst="rect">
+            <a:avLst/>
+          </a:prstGeom>
+        </p:spPr>
+      </p:pic>
+      <p:sp>
+        <p:nvSpPr>
+          <p:cNvPr id="5" name="TextBox 4"/>
+          <p:cNvSpPr txBox="1"/>
+          <p:nvPr/>
+        </p:nvSpPr>
+        <p:spPr>
+          <a:xfrm rot="16200000">
+            <a:off x="6864573" y="2403769"/>
+            <a:ext cx="4097601" cy="369332"/>
+          </a:xfrm>
+          <a:prstGeom prst="rect">
+            <a:avLst/>
+          </a:prstGeom>
+          <a:noFill/>
+        </p:spPr>
+        <p:txBody>
+          <a:bodyPr wrap="square" rtlCol="0">
+            <a:spAutoFit/>
+          </a:bodyPr>
+          <a:lstStyle/>
+          <a:p>
+            <a:r>
+              <a:rPr lang="en-US" dirty="0" smtClean="0"/>
+              <a:t>Perez et. </a:t>
+            </a:r>
+            <a:r>
+              <a:rPr lang="en-US" dirty="0"/>
+              <a:t>a</a:t>
+            </a:r>
+            <a:r>
+              <a:rPr lang="en-US" dirty="0" smtClean="0"/>
+              <a:t>l., Nature Biotechnology, 2017</a:t>
+            </a:r>
+            <a:endParaRPr lang="en-US" dirty="0"/>
+          </a:p>
+        </p:txBody>
+      </p:sp>
+    </p:spTree>
+    <p:extLst>
+      <p:ext uri="{BB962C8B-B14F-4D97-AF65-F5344CB8AC3E}">
+        <p14:creationId xmlns:p14="http://schemas.microsoft.com/office/powerpoint/2010/main" val="770329972"/>
+      </p:ext>
+    </p:extLst>
+  </p:cSld>
+  <p:clrMapOvr>
+    <a:masterClrMapping/>
+  </p:clrMapOvr>
+</p:sld>
+</file>
+
+<file path=ppt/slides/slide17.xml><?xml version="1.0" encoding="utf-8"?>
+<p:sld xmlns:a="http://schemas.openxmlformats.org/drawingml/2006/main" xmlns:r="http://schemas.openxmlformats.org/officeDocument/2006/relationships" xmlns:p="http://schemas.openxmlformats.org/presentationml/2006/main">
+  <p:cSld>
+    <p:spTree>
+      <p:nvGrpSpPr>
+        <p:cNvPr id="1" name=""/>
+        <p:cNvGrpSpPr/>
+        <p:nvPr/>
+      </p:nvGrpSpPr>
+      <p:grpSpPr>
+        <a:xfrm>
+          <a:off x="0" y="0"/>
+          <a:ext cx="0" cy="0"/>
+          <a:chOff x="0" y="0"/>
+          <a:chExt cx="0" cy="0"/>
+        </a:xfrm>
+      </p:grpSpPr>
+      <p:sp>
+        <p:nvSpPr>
+          <p:cNvPr id="2" name="Title 1"/>
+          <p:cNvSpPr>
+            <a:spLocks noGrp="1"/>
+          </p:cNvSpPr>
+          <p:nvPr>
+            <p:ph type="title"/>
+          </p:nvPr>
+        </p:nvSpPr>
+        <p:spPr/>
+        <p:txBody>
+          <a:bodyPr/>
+          <a:lstStyle/>
+          <a:p>
+            <a:r>
+              <a:rPr lang="en-US" dirty="0" err="1" smtClean="0"/>
+              <a:t>GuideScan</a:t>
+            </a:r>
+            <a:r>
+              <a:rPr lang="en-US" dirty="0" smtClean="0"/>
+              <a:t>: Inputs and Outputs</a:t>
+            </a:r>
+            <a:endParaRPr lang="en-US" dirty="0"/>
+          </a:p>
+        </p:txBody>
+      </p:sp>
+      <p:sp>
+        <p:nvSpPr>
+          <p:cNvPr id="3" name="Content Placeholder 2"/>
+          <p:cNvSpPr>
+            <a:spLocks noGrp="1"/>
+          </p:cNvSpPr>
+          <p:nvPr>
+            <p:ph idx="1"/>
+          </p:nvPr>
+        </p:nvSpPr>
+        <p:spPr/>
+        <p:txBody>
+          <a:bodyPr>
+            <a:normAutofit lnSpcReduction="10000"/>
+          </a:bodyPr>
+          <a:lstStyle/>
+          <a:p>
+            <a:r>
+              <a:rPr lang="en-US" dirty="0" smtClean="0"/>
+              <a:t>Outputs:</a:t>
+            </a:r>
+          </a:p>
+          <a:p>
+            <a:pPr lvl="1"/>
+            <a:r>
+              <a:rPr lang="en-US" dirty="0" smtClean="0"/>
+              <a:t>Target site coordinates (start and end)</a:t>
+            </a:r>
+          </a:p>
+          <a:p>
+            <a:pPr lvl="1"/>
+            <a:r>
+              <a:rPr lang="en-US" dirty="0" err="1" smtClean="0"/>
+              <a:t>sgRNA</a:t>
+            </a:r>
+            <a:r>
+              <a:rPr lang="en-US" dirty="0" smtClean="0"/>
+              <a:t> sequence</a:t>
+            </a:r>
+          </a:p>
+          <a:p>
+            <a:pPr lvl="1"/>
+            <a:r>
+              <a:rPr lang="en-US" dirty="0" smtClean="0"/>
+              <a:t>For a given </a:t>
+            </a:r>
+            <a:r>
+              <a:rPr lang="en-US" dirty="0" err="1" smtClean="0"/>
+              <a:t>sgRNA</a:t>
+            </a:r>
+            <a:r>
+              <a:rPr lang="en-US" dirty="0" smtClean="0"/>
+              <a:t>:</a:t>
+            </a:r>
+          </a:p>
+          <a:p>
+            <a:pPr lvl="2"/>
+            <a:r>
+              <a:rPr lang="en-US" dirty="0" smtClean="0"/>
+              <a:t>Off target sites, </a:t>
+            </a:r>
+            <a:r>
+              <a:rPr lang="en-US" dirty="0" err="1" smtClean="0"/>
+              <a:t>gRNA</a:t>
+            </a:r>
+            <a:r>
+              <a:rPr lang="en-US" dirty="0" smtClean="0"/>
+              <a:t> sequence, (M:N</a:t>
+            </a:r>
+            <a:r>
+              <a:rPr lang="en-US" baseline="-25000" dirty="0" smtClean="0"/>
+              <a:t>M</a:t>
+            </a:r>
+            <a:r>
+              <a:rPr lang="en-US" dirty="0" smtClean="0"/>
+              <a:t>|Q:N</a:t>
+            </a:r>
+            <a:r>
+              <a:rPr lang="en-US" baseline="-25000" dirty="0" smtClean="0"/>
+              <a:t>Q</a:t>
+            </a:r>
+            <a:r>
+              <a:rPr lang="en-US" dirty="0" smtClean="0"/>
+              <a:t> )</a:t>
+            </a:r>
+          </a:p>
+          <a:p>
+            <a:pPr lvl="3"/>
+            <a:r>
+              <a:rPr lang="en-US" dirty="0" smtClean="0"/>
+              <a:t>M = number of allowed mismatches (min) within </a:t>
+            </a:r>
+            <a:r>
+              <a:rPr lang="en-US" dirty="0" err="1" smtClean="0"/>
+              <a:t>gRNA</a:t>
+            </a:r>
+            <a:r>
+              <a:rPr lang="en-US" dirty="0" smtClean="0"/>
+              <a:t> sequence to be considered the </a:t>
+            </a:r>
+            <a:r>
+              <a:rPr lang="en-US" dirty="0" err="1" smtClean="0"/>
+              <a:t>gRNA</a:t>
+            </a:r>
+            <a:r>
+              <a:rPr lang="en-US" dirty="0" smtClean="0"/>
+              <a:t>, N</a:t>
+            </a:r>
+            <a:r>
+              <a:rPr lang="en-US" baseline="-25000" dirty="0" smtClean="0"/>
+              <a:t>M</a:t>
+            </a:r>
+            <a:r>
+              <a:rPr lang="en-US" dirty="0" smtClean="0"/>
+              <a:t> is the number of times it occurs</a:t>
+            </a:r>
+          </a:p>
+          <a:p>
+            <a:pPr lvl="3"/>
+            <a:r>
+              <a:rPr lang="en-US" dirty="0" smtClean="0"/>
+              <a:t>Q = number of mismatches to sequence to be considered off-target site, N</a:t>
+            </a:r>
+            <a:r>
+              <a:rPr lang="en-US" baseline="-25000" dirty="0" smtClean="0"/>
+              <a:t>Q</a:t>
+            </a:r>
+            <a:r>
+              <a:rPr lang="en-US" dirty="0" smtClean="0"/>
+              <a:t> is the number of </a:t>
+            </a:r>
+            <a:r>
+              <a:rPr lang="en-US" dirty="0" err="1" smtClean="0"/>
+              <a:t>occurances</a:t>
+            </a:r>
+            <a:endParaRPr lang="en-US" dirty="0" smtClean="0"/>
+          </a:p>
+          <a:p>
+            <a:pPr lvl="2"/>
+            <a:r>
+              <a:rPr lang="en-US" dirty="0" smtClean="0"/>
+              <a:t>Cutting efficiency score, specificity score for ea. OT site</a:t>
+            </a:r>
+          </a:p>
+          <a:p>
+            <a:pPr marL="457200" lvl="1" indent="0">
+              <a:buNone/>
+            </a:pPr>
+            <a:endParaRPr lang="en-US" dirty="0"/>
+          </a:p>
+        </p:txBody>
+      </p:sp>
+    </p:spTree>
+    <p:extLst>
+      <p:ext uri="{BB962C8B-B14F-4D97-AF65-F5344CB8AC3E}">
+        <p14:creationId xmlns:p14="http://schemas.microsoft.com/office/powerpoint/2010/main" val="1197217390"/>
+      </p:ext>
+    </p:extLst>
+  </p:cSld>
+  <p:clrMapOvr>
+    <a:masterClrMapping/>
+  </p:clrMapOvr>
+</p:sld>
+</file>
+
+<file path=ppt/slides/slide18.xml><?xml version="1.0" encoding="utf-8"?>
+<p:sld xmlns:a="http://schemas.openxmlformats.org/drawingml/2006/main" xmlns:r="http://schemas.openxmlformats.org/officeDocument/2006/relationships" xmlns:p="http://schemas.openxmlformats.org/presentationml/2006/main">
+  <p:cSld>
+    <p:spTree>
+      <p:nvGrpSpPr>
+        <p:cNvPr id="1" name=""/>
+        <p:cNvGrpSpPr/>
+        <p:nvPr/>
+      </p:nvGrpSpPr>
+      <p:grpSpPr>
+        <a:xfrm>
+          <a:off x="0" y="0"/>
+          <a:ext cx="0" cy="0"/>
+          <a:chOff x="0" y="0"/>
+          <a:chExt cx="0" cy="0"/>
+        </a:xfrm>
+      </p:grpSpPr>
+      <p:sp>
+        <p:nvSpPr>
+          <p:cNvPr id="2" name="Title 1"/>
+          <p:cNvSpPr>
+            <a:spLocks noGrp="1"/>
+          </p:cNvSpPr>
+          <p:nvPr>
+            <p:ph type="title"/>
+          </p:nvPr>
+        </p:nvSpPr>
+        <p:spPr/>
+        <p:txBody>
+          <a:bodyPr/>
+          <a:lstStyle/>
+          <a:p>
+            <a:r>
+              <a:rPr lang="en-US" dirty="0" smtClean="0"/>
+              <a:t>Our </a:t>
+            </a:r>
+            <a:r>
+              <a:rPr lang="en-US" dirty="0" err="1" smtClean="0"/>
+              <a:t>sgRNA</a:t>
+            </a:r>
+            <a:r>
+              <a:rPr lang="en-US" dirty="0" smtClean="0"/>
+              <a:t> Libraries</a:t>
+            </a:r>
+            <a:endParaRPr lang="en-US" dirty="0"/>
+          </a:p>
+        </p:txBody>
+      </p:sp>
+      <p:sp>
+        <p:nvSpPr>
+          <p:cNvPr id="3" name="Content Placeholder 2"/>
+          <p:cNvSpPr>
+            <a:spLocks noGrp="1"/>
+          </p:cNvSpPr>
+          <p:nvPr>
+            <p:ph idx="1"/>
+          </p:nvPr>
+        </p:nvSpPr>
+        <p:spPr/>
+        <p:txBody>
+          <a:bodyPr>
+            <a:normAutofit lnSpcReduction="10000"/>
+          </a:bodyPr>
+          <a:lstStyle/>
+          <a:p>
+            <a:r>
+              <a:rPr lang="en-US" dirty="0" err="1" smtClean="0"/>
+              <a:t>Zimmer_mom</a:t>
+            </a:r>
+            <a:endParaRPr lang="en-US" dirty="0" smtClean="0"/>
+          </a:p>
+          <a:p>
+            <a:r>
+              <a:rPr lang="en-US" dirty="0" err="1" smtClean="0"/>
+              <a:t>Zimmer_dad</a:t>
+            </a:r>
+            <a:endParaRPr lang="en-US" dirty="0" smtClean="0"/>
+          </a:p>
+          <a:p>
+            <a:r>
+              <a:rPr lang="en-US" dirty="0" smtClean="0"/>
+              <a:t>Human reference genome 37</a:t>
+            </a:r>
+          </a:p>
+          <a:p>
+            <a:endParaRPr lang="en-US" dirty="0"/>
+          </a:p>
+          <a:p>
+            <a:r>
+              <a:rPr lang="en-US" dirty="0" smtClean="0"/>
+              <a:t>Chromosome 18</a:t>
+            </a:r>
+          </a:p>
+          <a:p>
+            <a:r>
+              <a:rPr lang="en-US" dirty="0" smtClean="0"/>
+              <a:t>20 base-long </a:t>
+            </a:r>
+            <a:r>
+              <a:rPr lang="en-US" dirty="0" err="1" smtClean="0"/>
+              <a:t>gRNA</a:t>
+            </a:r>
+            <a:r>
+              <a:rPr lang="en-US" dirty="0" smtClean="0"/>
+              <a:t> sequences</a:t>
+            </a:r>
+          </a:p>
+          <a:p>
+            <a:r>
+              <a:rPr lang="en-US" dirty="0" smtClean="0"/>
+              <a:t>Canonical PAM sequence NGG</a:t>
+            </a:r>
+          </a:p>
+          <a:p>
+            <a:r>
+              <a:rPr lang="en-US" dirty="0" smtClean="0"/>
+              <a:t>~5.75 M </a:t>
+            </a:r>
+            <a:r>
+              <a:rPr lang="en-US" dirty="0" err="1" smtClean="0"/>
+              <a:t>gRNA</a:t>
+            </a:r>
+            <a:r>
+              <a:rPr lang="en-US" dirty="0" smtClean="0"/>
+              <a:t> for each</a:t>
+            </a:r>
+            <a:endParaRPr lang="en-US" dirty="0"/>
+          </a:p>
+        </p:txBody>
+      </p:sp>
+    </p:spTree>
+    <p:extLst>
+      <p:ext uri="{BB962C8B-B14F-4D97-AF65-F5344CB8AC3E}">
+        <p14:creationId xmlns:p14="http://schemas.microsoft.com/office/powerpoint/2010/main" val="3376380562"/>
+      </p:ext>
+    </p:extLst>
+  </p:cSld>
+  <p:clrMapOvr>
+    <a:masterClrMapping/>
+  </p:clrMapOvr>
+</p:sld>
+</file>
+
+<file path=ppt/slides/slide19.xml><?xml version="1.0" encoding="utf-8"?>
+<p:sld xmlns:a="http://schemas.openxmlformats.org/drawingml/2006/main" xmlns:r="http://schemas.openxmlformats.org/officeDocument/2006/relationships" xmlns:p="http://schemas.openxmlformats.org/presentationml/2006/main">
+  <p:cSld>
+    <p:spTree>
+      <p:nvGrpSpPr>
+        <p:cNvPr id="1" name=""/>
+        <p:cNvGrpSpPr/>
+        <p:nvPr/>
+      </p:nvGrpSpPr>
+      <p:grpSpPr>
+        <a:xfrm>
+          <a:off x="0" y="0"/>
+          <a:ext cx="0" cy="0"/>
+          <a:chOff x="0" y="0"/>
+          <a:chExt cx="0" cy="0"/>
+        </a:xfrm>
+      </p:grpSpPr>
+      <p:pic>
+        <p:nvPicPr>
+          <p:cNvPr id="5" name="Picture 4" descr="venn.png"/>
+          <p:cNvPicPr>
+            <a:picLocks noChangeAspect="1"/>
+          </p:cNvPicPr>
+          <p:nvPr/>
+        </p:nvPicPr>
+        <p:blipFill>
+          <a:blip r:embed="rId2">
+            <a:extLst>
+              <a:ext uri="{28A0092B-C50C-407E-A947-70E740481C1C}">
+                <a14:useLocalDpi xmlns:a14="http://schemas.microsoft.com/office/drawing/2010/main" val="0"/>
+              </a:ext>
+            </a:extLst>
+          </a:blip>
+          <a:stretch>
+            <a:fillRect/>
+          </a:stretch>
+        </p:blipFill>
+        <p:spPr>
+          <a:xfrm>
+            <a:off x="-46017" y="0"/>
+            <a:ext cx="9184017" cy="6888014"/>
+          </a:xfrm>
+          <a:prstGeom prst="rect">
+            <a:avLst/>
+          </a:prstGeom>
+        </p:spPr>
+      </p:pic>
+    </p:spTree>
+    <p:extLst>
+      <p:ext uri="{BB962C8B-B14F-4D97-AF65-F5344CB8AC3E}">
+        <p14:creationId xmlns:p14="http://schemas.microsoft.com/office/powerpoint/2010/main" val="3913757058"/>
+      </p:ext>
+    </p:extLst>
+  </p:cSld>
+  <p:clrMapOvr>
+    <a:masterClrMapping/>
+  </p:clrMapOvr>
+</p:sld>
+</file>
+
 <file path=ppt/slides/slide2.xml><?xml version="1.0" encoding="utf-8"?>
 <p:sld xmlns:a="http://schemas.openxmlformats.org/drawingml/2006/main" xmlns:r="http://schemas.openxmlformats.org/officeDocument/2006/relationships" xmlns:p="http://schemas.openxmlformats.org/presentationml/2006/main">
   <p:cSld>
@@ -3692,6 +4614,316 @@
     <p:extLst>
       <p:ext uri="{BB962C8B-B14F-4D97-AF65-F5344CB8AC3E}">
         <p14:creationId xmlns:p14="http://schemas.microsoft.com/office/powerpoint/2010/main" val="407221801"/>
+      </p:ext>
+    </p:extLst>
+  </p:cSld>
+  <p:clrMapOvr>
+    <a:masterClrMapping/>
+  </p:clrMapOvr>
+</p:sld>
+</file>
+
+<file path=ppt/slides/slide20.xml><?xml version="1.0" encoding="utf-8"?>
+<p:sld xmlns:a="http://schemas.openxmlformats.org/drawingml/2006/main" xmlns:r="http://schemas.openxmlformats.org/officeDocument/2006/relationships" xmlns:p="http://schemas.openxmlformats.org/presentationml/2006/main">
+  <p:cSld>
+    <p:spTree>
+      <p:nvGrpSpPr>
+        <p:cNvPr id="1" name=""/>
+        <p:cNvGrpSpPr/>
+        <p:nvPr/>
+      </p:nvGrpSpPr>
+      <p:grpSpPr>
+        <a:xfrm>
+          <a:off x="0" y="0"/>
+          <a:ext cx="0" cy="0"/>
+          <a:chOff x="0" y="0"/>
+          <a:chExt cx="0" cy="0"/>
+        </a:xfrm>
+      </p:grpSpPr>
+      <p:pic>
+        <p:nvPicPr>
+          <p:cNvPr id="5" name="Picture 4" descr="venn.png"/>
+          <p:cNvPicPr>
+            <a:picLocks noChangeAspect="1"/>
+          </p:cNvPicPr>
+          <p:nvPr/>
+        </p:nvPicPr>
+        <p:blipFill>
+          <a:blip r:embed="rId2">
+            <a:extLst>
+              <a:ext uri="{28A0092B-C50C-407E-A947-70E740481C1C}">
+                <a14:useLocalDpi xmlns:a14="http://schemas.microsoft.com/office/drawing/2010/main" val="0"/>
+              </a:ext>
+            </a:extLst>
+          </a:blip>
+          <a:stretch>
+            <a:fillRect/>
+          </a:stretch>
+        </p:blipFill>
+        <p:spPr>
+          <a:xfrm>
+            <a:off x="3087019" y="1554846"/>
+            <a:ext cx="7010400" cy="5257800"/>
+          </a:xfrm>
+          <a:prstGeom prst="rect">
+            <a:avLst/>
+          </a:prstGeom>
+        </p:spPr>
+      </p:pic>
+      <p:sp>
+        <p:nvSpPr>
+          <p:cNvPr id="2" name="Title 1"/>
+          <p:cNvSpPr>
+            <a:spLocks noGrp="1"/>
+          </p:cNvSpPr>
+          <p:nvPr>
+            <p:ph type="title"/>
+          </p:nvPr>
+        </p:nvSpPr>
+        <p:spPr/>
+        <p:txBody>
+          <a:bodyPr>
+            <a:normAutofit/>
+          </a:bodyPr>
+          <a:lstStyle/>
+          <a:p>
+            <a:r>
+              <a:rPr lang="en-US" dirty="0" smtClean="0"/>
+              <a:t>What we found</a:t>
+            </a:r>
+            <a:endParaRPr lang="en-US" dirty="0"/>
+          </a:p>
+        </p:txBody>
+      </p:sp>
+      <p:sp>
+        <p:nvSpPr>
+          <p:cNvPr id="3" name="Content Placeholder 2"/>
+          <p:cNvSpPr>
+            <a:spLocks noGrp="1"/>
+          </p:cNvSpPr>
+          <p:nvPr>
+            <p:ph sz="half" idx="1"/>
+          </p:nvPr>
+        </p:nvSpPr>
+        <p:spPr>
+          <a:xfrm>
+            <a:off x="457199" y="1600200"/>
+            <a:ext cx="4260333" cy="4525963"/>
+          </a:xfrm>
+        </p:spPr>
+        <p:txBody>
+          <a:bodyPr>
+            <a:normAutofit/>
+          </a:bodyPr>
+          <a:lstStyle/>
+          <a:p>
+            <a:r>
+              <a:rPr lang="en-US" dirty="0" smtClean="0"/>
+              <a:t>Unique to each library:</a:t>
+            </a:r>
+          </a:p>
+          <a:p>
+            <a:pPr lvl="1"/>
+            <a:r>
+              <a:rPr lang="en-US" dirty="0" smtClean="0"/>
+              <a:t>Mom: 1.05% of 5,752,892 </a:t>
+            </a:r>
+          </a:p>
+          <a:p>
+            <a:pPr lvl="1"/>
+            <a:r>
+              <a:rPr lang="en-US" dirty="0" smtClean="0"/>
+              <a:t>Dad: 1.06% of 5,752,994</a:t>
+            </a:r>
+          </a:p>
+          <a:p>
+            <a:pPr lvl="1"/>
+            <a:r>
+              <a:rPr lang="en-US" dirty="0" smtClean="0"/>
+              <a:t>Ref: 1.37%  of 5,752,877</a:t>
+            </a:r>
+          </a:p>
+          <a:p>
+            <a:endParaRPr lang="en-US" dirty="0"/>
+          </a:p>
+          <a:p>
+            <a:r>
+              <a:rPr lang="en-US" dirty="0" smtClean="0"/>
+              <a:t>5.557 M </a:t>
+            </a:r>
+            <a:r>
+              <a:rPr lang="en-US" dirty="0" err="1" smtClean="0"/>
+              <a:t>gRNAs</a:t>
+            </a:r>
+            <a:r>
+              <a:rPr lang="en-US" dirty="0" smtClean="0"/>
+              <a:t> in common</a:t>
+            </a:r>
+          </a:p>
+        </p:txBody>
+      </p:sp>
+    </p:spTree>
+    <p:extLst>
+      <p:ext uri="{BB962C8B-B14F-4D97-AF65-F5344CB8AC3E}">
+        <p14:creationId xmlns:p14="http://schemas.microsoft.com/office/powerpoint/2010/main" val="1058757884"/>
+      </p:ext>
+    </p:extLst>
+  </p:cSld>
+  <p:clrMapOvr>
+    <a:masterClrMapping/>
+  </p:clrMapOvr>
+</p:sld>
+</file>
+
+<file path=ppt/slides/slide21.xml><?xml version="1.0" encoding="utf-8"?>
+<p:sld xmlns:a="http://schemas.openxmlformats.org/drawingml/2006/main" xmlns:r="http://schemas.openxmlformats.org/officeDocument/2006/relationships" xmlns:p="http://schemas.openxmlformats.org/presentationml/2006/main">
+  <p:cSld>
+    <p:spTree>
+      <p:nvGrpSpPr>
+        <p:cNvPr id="1" name=""/>
+        <p:cNvGrpSpPr/>
+        <p:nvPr/>
+      </p:nvGrpSpPr>
+      <p:grpSpPr>
+        <a:xfrm>
+          <a:off x="0" y="0"/>
+          <a:ext cx="0" cy="0"/>
+          <a:chOff x="0" y="0"/>
+          <a:chExt cx="0" cy="0"/>
+        </a:xfrm>
+      </p:grpSpPr>
+      <p:pic>
+        <p:nvPicPr>
+          <p:cNvPr id="6" name="Picture 5" descr="venn.png"/>
+          <p:cNvPicPr>
+            <a:picLocks noChangeAspect="1"/>
+          </p:cNvPicPr>
+          <p:nvPr/>
+        </p:nvPicPr>
+        <p:blipFill>
+          <a:blip r:embed="rId2">
+            <a:extLst>
+              <a:ext uri="{28A0092B-C50C-407E-A947-70E740481C1C}">
+                <a14:useLocalDpi xmlns:a14="http://schemas.microsoft.com/office/drawing/2010/main" val="0"/>
+              </a:ext>
+            </a:extLst>
+          </a:blip>
+          <a:stretch>
+            <a:fillRect/>
+          </a:stretch>
+        </p:blipFill>
+        <p:spPr>
+          <a:xfrm>
+            <a:off x="3087019" y="1554846"/>
+            <a:ext cx="7010400" cy="5257800"/>
+          </a:xfrm>
+          <a:prstGeom prst="rect">
+            <a:avLst/>
+          </a:prstGeom>
+        </p:spPr>
+      </p:pic>
+      <p:sp>
+        <p:nvSpPr>
+          <p:cNvPr id="2" name="Title 1"/>
+          <p:cNvSpPr>
+            <a:spLocks noGrp="1"/>
+          </p:cNvSpPr>
+          <p:nvPr>
+            <p:ph type="title"/>
+          </p:nvPr>
+        </p:nvSpPr>
+        <p:spPr/>
+        <p:txBody>
+          <a:bodyPr>
+            <a:normAutofit/>
+          </a:bodyPr>
+          <a:lstStyle/>
+          <a:p>
+            <a:r>
+              <a:rPr lang="en-US" dirty="0" smtClean="0"/>
+              <a:t>What we found</a:t>
+            </a:r>
+            <a:endParaRPr lang="en-US" dirty="0"/>
+          </a:p>
+        </p:txBody>
+      </p:sp>
+      <p:sp>
+        <p:nvSpPr>
+          <p:cNvPr id="3" name="Content Placeholder 2"/>
+          <p:cNvSpPr>
+            <a:spLocks noGrp="1"/>
+          </p:cNvSpPr>
+          <p:nvPr>
+            <p:ph sz="half" idx="1"/>
+          </p:nvPr>
+        </p:nvSpPr>
+        <p:spPr/>
+        <p:txBody>
+          <a:bodyPr>
+            <a:normAutofit fontScale="92500" lnSpcReduction="10000"/>
+          </a:bodyPr>
+          <a:lstStyle/>
+          <a:p>
+            <a:r>
+              <a:rPr lang="en-US" dirty="0" smtClean="0"/>
+              <a:t>Maternal-Reference:</a:t>
+            </a:r>
+          </a:p>
+          <a:p>
+            <a:pPr lvl="1"/>
+            <a:r>
+              <a:rPr lang="en-US" dirty="0" smtClean="0"/>
+              <a:t>58,541</a:t>
+            </a:r>
+          </a:p>
+          <a:p>
+            <a:r>
+              <a:rPr lang="en-US" dirty="0" smtClean="0"/>
+              <a:t>Paternal-Reference:</a:t>
+            </a:r>
+          </a:p>
+          <a:p>
+            <a:pPr lvl="1"/>
+            <a:r>
+              <a:rPr lang="en-US" dirty="0" smtClean="0"/>
+              <a:t>57,852</a:t>
+            </a:r>
+          </a:p>
+          <a:p>
+            <a:r>
+              <a:rPr lang="en-US" dirty="0" smtClean="0"/>
+              <a:t>Maternal-Paternal</a:t>
+            </a:r>
+          </a:p>
+          <a:p>
+            <a:pPr lvl="1"/>
+            <a:r>
+              <a:rPr lang="en-US" dirty="0" smtClean="0"/>
+              <a:t>76,282</a:t>
+            </a:r>
+          </a:p>
+          <a:p>
+            <a:pPr marL="0" indent="0">
+              <a:buNone/>
+            </a:pPr>
+            <a:endParaRPr lang="en-US" dirty="0" smtClean="0"/>
+          </a:p>
+          <a:p>
+            <a:pPr marL="0" indent="0">
+              <a:buNone/>
+            </a:pPr>
+            <a:r>
+              <a:rPr lang="en-US" dirty="0" smtClean="0"/>
+              <a:t>Zimmer mom and dad have slightly more in common than with either does with the reference.</a:t>
+            </a:r>
+            <a:endParaRPr lang="en-US" dirty="0"/>
+          </a:p>
+        </p:txBody>
+      </p:sp>
+    </p:spTree>
+    <p:extLst>
+      <p:ext uri="{BB962C8B-B14F-4D97-AF65-F5344CB8AC3E}">
+        <p14:creationId xmlns:p14="http://schemas.microsoft.com/office/powerpoint/2010/main" val="2789202024"/>
       </p:ext>
     </p:extLst>
   </p:cSld>
